--- a/BOQC-Basis of Quantum computing/Slide/5. Quantum Fourier.pptx
+++ b/BOQC-Basis of Quantum computing/Slide/5. Quantum Fourier.pptx
@@ -208,7 +208,7 @@
           <a:p>
             <a:fld id="{570F0442-F40A-4982-A045-29F378189F2A}" type="datetimeFigureOut">
               <a:rPr lang="vi-VN" smtClean="0"/>
-              <a:t>30/11/2021</a:t>
+              <a:t>19/11/2023</a:t>
             </a:fld>
             <a:endParaRPr lang="vi-VN"/>
           </a:p>
@@ -710,7 +710,7 @@
           <a:p>
             <a:fld id="{E23572F3-9824-4A93-A3B5-8AC56B2B339C}" type="datetimeFigureOut">
               <a:rPr lang="vi-VN" smtClean="0"/>
-              <a:t>30/11/2021</a:t>
+              <a:t>19/11/2023</a:t>
             </a:fld>
             <a:endParaRPr lang="vi-VN"/>
           </a:p>
@@ -908,7 +908,7 @@
           <a:p>
             <a:fld id="{E23572F3-9824-4A93-A3B5-8AC56B2B339C}" type="datetimeFigureOut">
               <a:rPr lang="vi-VN" smtClean="0"/>
-              <a:t>30/11/2021</a:t>
+              <a:t>19/11/2023</a:t>
             </a:fld>
             <a:endParaRPr lang="vi-VN"/>
           </a:p>
@@ -1116,7 +1116,7 @@
           <a:p>
             <a:fld id="{E23572F3-9824-4A93-A3B5-8AC56B2B339C}" type="datetimeFigureOut">
               <a:rPr lang="vi-VN" smtClean="0"/>
-              <a:t>30/11/2021</a:t>
+              <a:t>19/11/2023</a:t>
             </a:fld>
             <a:endParaRPr lang="vi-VN"/>
           </a:p>
@@ -1314,7 +1314,7 @@
           <a:p>
             <a:fld id="{E23572F3-9824-4A93-A3B5-8AC56B2B339C}" type="datetimeFigureOut">
               <a:rPr lang="vi-VN" smtClean="0"/>
-              <a:t>30/11/2021</a:t>
+              <a:t>19/11/2023</a:t>
             </a:fld>
             <a:endParaRPr lang="vi-VN"/>
           </a:p>
@@ -1589,7 +1589,7 @@
           <a:p>
             <a:fld id="{E23572F3-9824-4A93-A3B5-8AC56B2B339C}" type="datetimeFigureOut">
               <a:rPr lang="vi-VN" smtClean="0"/>
-              <a:t>30/11/2021</a:t>
+              <a:t>19/11/2023</a:t>
             </a:fld>
             <a:endParaRPr lang="vi-VN"/>
           </a:p>
@@ -1854,7 +1854,7 @@
           <a:p>
             <a:fld id="{E23572F3-9824-4A93-A3B5-8AC56B2B339C}" type="datetimeFigureOut">
               <a:rPr lang="vi-VN" smtClean="0"/>
-              <a:t>30/11/2021</a:t>
+              <a:t>19/11/2023</a:t>
             </a:fld>
             <a:endParaRPr lang="vi-VN"/>
           </a:p>
@@ -2266,7 +2266,7 @@
           <a:p>
             <a:fld id="{E23572F3-9824-4A93-A3B5-8AC56B2B339C}" type="datetimeFigureOut">
               <a:rPr lang="vi-VN" smtClean="0"/>
-              <a:t>30/11/2021</a:t>
+              <a:t>19/11/2023</a:t>
             </a:fld>
             <a:endParaRPr lang="vi-VN"/>
           </a:p>
@@ -2407,7 +2407,7 @@
           <a:p>
             <a:fld id="{E23572F3-9824-4A93-A3B5-8AC56B2B339C}" type="datetimeFigureOut">
               <a:rPr lang="vi-VN" smtClean="0"/>
-              <a:t>30/11/2021</a:t>
+              <a:t>19/11/2023</a:t>
             </a:fld>
             <a:endParaRPr lang="vi-VN"/>
           </a:p>
@@ -2520,7 +2520,7 @@
           <a:p>
             <a:fld id="{E23572F3-9824-4A93-A3B5-8AC56B2B339C}" type="datetimeFigureOut">
               <a:rPr lang="vi-VN" smtClean="0"/>
-              <a:t>30/11/2021</a:t>
+              <a:t>19/11/2023</a:t>
             </a:fld>
             <a:endParaRPr lang="vi-VN"/>
           </a:p>
@@ -2831,7 +2831,7 @@
           <a:p>
             <a:fld id="{E23572F3-9824-4A93-A3B5-8AC56B2B339C}" type="datetimeFigureOut">
               <a:rPr lang="vi-VN" smtClean="0"/>
-              <a:t>30/11/2021</a:t>
+              <a:t>19/11/2023</a:t>
             </a:fld>
             <a:endParaRPr lang="vi-VN"/>
           </a:p>
@@ -3119,7 +3119,7 @@
           <a:p>
             <a:fld id="{E23572F3-9824-4A93-A3B5-8AC56B2B339C}" type="datetimeFigureOut">
               <a:rPr lang="vi-VN" smtClean="0"/>
-              <a:t>30/11/2021</a:t>
+              <a:t>19/11/2023</a:t>
             </a:fld>
             <a:endParaRPr lang="vi-VN"/>
           </a:p>
@@ -3360,7 +3360,7 @@
           <a:p>
             <a:fld id="{E23572F3-9824-4A93-A3B5-8AC56B2B339C}" type="datetimeFigureOut">
               <a:rPr lang="vi-VN" smtClean="0"/>
-              <a:t>30/11/2021</a:t>
+              <a:t>19/11/2023</a:t>
             </a:fld>
             <a:endParaRPr lang="vi-VN"/>
           </a:p>
@@ -3894,8 +3894,8 @@
           </a:p>
         </p:txBody>
       </p:sp>
-      <mc:AlternateContent xmlns:mc="http://schemas.openxmlformats.org/markup-compatibility/2006">
-        <mc:Choice xmlns:a14="http://schemas.microsoft.com/office/drawing/2010/main" Requires="a14">
+      <mc:AlternateContent xmlns:mc="http://schemas.openxmlformats.org/markup-compatibility/2006" xmlns:a14="http://schemas.microsoft.com/office/drawing/2010/main">
+        <mc:Choice Requires="a14">
           <p:sp>
             <p:nvSpPr>
               <p:cNvPr id="3" name="Chỗ dành sẵn cho Nội dung 2">
@@ -4005,19 +4005,7 @@
                         <a:rPr lang="en-US" b="0" i="1" smtClean="0">
                           <a:latin typeface="Cambria Math" panose="02040503050406030204" pitchFamily="18" charset="0"/>
                         </a:rPr>
-                        <m:t>−</m:t>
-                      </m:r>
-                      <m:r>
-                        <a:rPr lang="en-US" b="0" i="1" smtClean="0">
-                          <a:latin typeface="Cambria Math" panose="02040503050406030204" pitchFamily="18" charset="0"/>
-                        </a:rPr>
-                        <m:t>1</m:t>
-                      </m:r>
-                      <m:r>
-                        <a:rPr lang="en-US" b="0" i="1" smtClean="0">
-                          <a:latin typeface="Cambria Math" panose="02040503050406030204" pitchFamily="18" charset="0"/>
-                        </a:rPr>
-                        <m:t>⟩</m:t>
+                        <m:t>−1⟩</m:t>
                       </m:r>
                     </m:oMath>
                   </m:oMathPara>
@@ -4262,13 +4250,7 @@
                             <a:rPr lang="en-US" b="0" i="1" smtClean="0">
                               <a:latin typeface="Cambria Math" panose="02040503050406030204" pitchFamily="18" charset="0"/>
                             </a:rPr>
-                            <m:t>−</m:t>
-                          </m:r>
-                          <m:r>
-                            <a:rPr lang="en-US" b="0" i="1" smtClean="0">
-                              <a:latin typeface="Cambria Math" panose="02040503050406030204" pitchFamily="18" charset="0"/>
-                            </a:rPr>
-                            <m:t>1</m:t>
+                            <m:t>−1</m:t>
                           </m:r>
                         </m:sup>
                       </m:sSup>
@@ -4330,13 +4312,7 @@
                             <a:rPr lang="en-US" b="0" i="1" smtClean="0">
                               <a:latin typeface="Cambria Math" panose="02040503050406030204" pitchFamily="18" charset="0"/>
                             </a:rPr>
-                            <m:t>−</m:t>
-                          </m:r>
-                          <m:r>
-                            <a:rPr lang="en-US" b="0" i="1" smtClean="0">
-                              <a:latin typeface="Cambria Math" panose="02040503050406030204" pitchFamily="18" charset="0"/>
-                            </a:rPr>
-                            <m:t>2</m:t>
+                            <m:t>−2</m:t>
                           </m:r>
                         </m:sup>
                       </m:sSup>
@@ -4569,7 +4545,7 @@
             </p:txBody>
           </p:sp>
         </mc:Choice>
-        <mc:Fallback>
+        <mc:Fallback xmlns="">
           <p:sp>
             <p:nvSpPr>
               <p:cNvPr id="3" name="Chỗ dành sẵn cho Nội dung 2">
@@ -4668,8 +4644,8 @@
           </a:p>
         </p:txBody>
       </p:sp>
-      <mc:AlternateContent xmlns:mc="http://schemas.openxmlformats.org/markup-compatibility/2006">
-        <mc:Choice xmlns:a14="http://schemas.microsoft.com/office/drawing/2010/main" Requires="a14">
+      <mc:AlternateContent xmlns:mc="http://schemas.openxmlformats.org/markup-compatibility/2006" xmlns:a14="http://schemas.microsoft.com/office/drawing/2010/main">
+        <mc:Choice Requires="a14">
           <p:sp>
             <p:nvSpPr>
               <p:cNvPr id="3" name="Chỗ dành sẵn cho Nội dung 2">
@@ -4836,13 +4812,7 @@
                           <a:rPr lang="en-US" b="0" i="1" smtClean="0">
                             <a:latin typeface="Cambria Math" panose="02040503050406030204" pitchFamily="18" charset="0"/>
                           </a:rPr>
-                          <m:t>−</m:t>
-                        </m:r>
-                        <m:r>
-                          <a:rPr lang="en-US" b="0" i="1" smtClean="0">
-                            <a:latin typeface="Cambria Math" panose="02040503050406030204" pitchFamily="18" charset="0"/>
-                          </a:rPr>
-                          <m:t>1</m:t>
+                          <m:t>−1</m:t>
                         </m:r>
                       </m:sup>
                       <m:e>
@@ -4988,13 +4958,7 @@
                               <a:rPr lang="en-US" i="1">
                                 <a:latin typeface="Cambria Math" panose="02040503050406030204" pitchFamily="18" charset="0"/>
                               </a:rPr>
-                              <m:t>−</m:t>
-                            </m:r>
-                            <m:r>
-                              <a:rPr lang="en-US" i="1">
-                                <a:latin typeface="Cambria Math" panose="02040503050406030204" pitchFamily="18" charset="0"/>
-                              </a:rPr>
-                              <m:t>1</m:t>
+                              <m:t>−1</m:t>
                             </m:r>
                           </m:sup>
                           <m:e>
@@ -5212,13 +5176,7 @@
                             <a:rPr lang="en-US" b="0" i="1" smtClean="0">
                               <a:latin typeface="Cambria Math" panose="02040503050406030204" pitchFamily="18" charset="0"/>
                             </a:rPr>
-                            <m:t>−</m:t>
-                          </m:r>
-                          <m:r>
-                            <a:rPr lang="en-US" b="0" i="1" smtClean="0">
-                              <a:latin typeface="Cambria Math" panose="02040503050406030204" pitchFamily="18" charset="0"/>
-                            </a:rPr>
-                            <m:t>1</m:t>
+                            <m:t>−1</m:t>
                           </m:r>
                         </m:sup>
                         <m:e>
@@ -5546,7 +5504,7 @@
             </p:txBody>
           </p:sp>
         </mc:Choice>
-        <mc:Fallback>
+        <mc:Fallback xmlns="">
           <p:sp>
             <p:nvSpPr>
               <p:cNvPr id="3" name="Chỗ dành sẵn cho Nội dung 2">
@@ -5645,8 +5603,8 @@
           </a:p>
         </p:txBody>
       </p:sp>
-      <mc:AlternateContent xmlns:mc="http://schemas.openxmlformats.org/markup-compatibility/2006">
-        <mc:Choice xmlns:a14="http://schemas.microsoft.com/office/drawing/2010/main" Requires="a14">
+      <mc:AlternateContent xmlns:mc="http://schemas.openxmlformats.org/markup-compatibility/2006" xmlns:a14="http://schemas.microsoft.com/office/drawing/2010/main">
+        <mc:Choice Requires="a14">
           <p:sp>
             <p:nvSpPr>
               <p:cNvPr id="3" name="Chỗ dành sẵn cho Nội dung 2">
@@ -5752,13 +5710,7 @@
                             <a:rPr lang="en-US" b="0" i="1" smtClean="0">
                               <a:latin typeface="Cambria Math" panose="02040503050406030204" pitchFamily="18" charset="0"/>
                             </a:rPr>
-                            <m:t>=</m:t>
-                          </m:r>
-                          <m:r>
-                            <a:rPr lang="en-US" b="0" i="1" smtClean="0">
-                              <a:latin typeface="Cambria Math" panose="02040503050406030204" pitchFamily="18" charset="0"/>
-                            </a:rPr>
-                            <m:t>0</m:t>
+                            <m:t>=0</m:t>
                           </m:r>
                         </m:sub>
                         <m:sup>
@@ -5772,13 +5724,7 @@
                             <a:rPr lang="en-US" b="0" i="1" smtClean="0">
                               <a:latin typeface="Cambria Math" panose="02040503050406030204" pitchFamily="18" charset="0"/>
                             </a:rPr>
-                            <m:t>−</m:t>
-                          </m:r>
-                          <m:r>
-                            <a:rPr lang="en-US" b="0" i="1" smtClean="0">
-                              <a:latin typeface="Cambria Math" panose="02040503050406030204" pitchFamily="18" charset="0"/>
-                            </a:rPr>
-                            <m:t>1</m:t>
+                            <m:t>−1</m:t>
                           </m:r>
                         </m:sup>
                         <m:e>
@@ -6183,13 +6129,7 @@
                             <a:rPr lang="en-US" b="0" i="1" smtClean="0">
                               <a:latin typeface="Cambria Math" panose="02040503050406030204" pitchFamily="18" charset="0"/>
                             </a:rPr>
-                            <m:t>=</m:t>
-                          </m:r>
-                          <m:r>
-                            <a:rPr lang="en-US" b="0" i="1" smtClean="0">
-                              <a:latin typeface="Cambria Math" panose="02040503050406030204" pitchFamily="18" charset="0"/>
-                            </a:rPr>
-                            <m:t>1</m:t>
+                            <m:t>=1</m:t>
                           </m:r>
                         </m:sub>
                         <m:sup>
@@ -6314,19 +6254,7 @@
                             <a:rPr lang="en-US" b="0" i="1" smtClean="0">
                               <a:latin typeface="Cambria Math" panose="02040503050406030204" pitchFamily="18" charset="0"/>
                             </a:rPr>
-                            <m:t>|</m:t>
-                          </m:r>
-                          <m:r>
-                            <a:rPr lang="en-US" b="0" i="1" smtClean="0">
-                              <a:latin typeface="Cambria Math" panose="02040503050406030204" pitchFamily="18" charset="0"/>
-                            </a:rPr>
-                            <m:t>1</m:t>
-                          </m:r>
-                          <m:r>
-                            <a:rPr lang="en-US" b="0" i="1" smtClean="0">
-                              <a:latin typeface="Cambria Math" panose="02040503050406030204" pitchFamily="18" charset="0"/>
-                            </a:rPr>
-                            <m:t>⟩</m:t>
+                            <m:t>|1⟩</m:t>
                           </m:r>
                         </m:e>
                       </m:d>
@@ -6512,19 +6440,7 @@
                             <a:rPr lang="en-US" i="1">
                               <a:latin typeface="Cambria Math" panose="02040503050406030204" pitchFamily="18" charset="0"/>
                             </a:rPr>
-                            <m:t>|</m:t>
-                          </m:r>
-                          <m:r>
-                            <a:rPr lang="en-US" i="1">
-                              <a:latin typeface="Cambria Math" panose="02040503050406030204" pitchFamily="18" charset="0"/>
-                            </a:rPr>
-                            <m:t>1</m:t>
-                          </m:r>
-                          <m:r>
-                            <a:rPr lang="en-US" i="1">
-                              <a:latin typeface="Cambria Math" panose="02040503050406030204" pitchFamily="18" charset="0"/>
-                            </a:rPr>
-                            <m:t>⟩</m:t>
+                            <m:t>|1⟩</m:t>
                           </m:r>
                         </m:e>
                       </m:d>
@@ -6783,19 +6699,7 @@
                             <a:rPr lang="en-US" i="1">
                               <a:latin typeface="Cambria Math" panose="02040503050406030204" pitchFamily="18" charset="0"/>
                             </a:rPr>
-                            <m:t>|</m:t>
-                          </m:r>
-                          <m:r>
-                            <a:rPr lang="en-US" i="1">
-                              <a:latin typeface="Cambria Math" panose="02040503050406030204" pitchFamily="18" charset="0"/>
-                            </a:rPr>
-                            <m:t>1</m:t>
-                          </m:r>
-                          <m:r>
-                            <a:rPr lang="en-US" i="1">
-                              <a:latin typeface="Cambria Math" panose="02040503050406030204" pitchFamily="18" charset="0"/>
-                            </a:rPr>
-                            <m:t>⟩</m:t>
+                            <m:t>|1⟩</m:t>
                           </m:r>
                         </m:e>
                       </m:d>
@@ -6807,7 +6711,7 @@
             </p:txBody>
           </p:sp>
         </mc:Choice>
-        <mc:Fallback>
+        <mc:Fallback xmlns="">
           <p:sp>
             <p:nvSpPr>
               <p:cNvPr id="3" name="Chỗ dành sẵn cho Nội dung 2">
@@ -7242,13 +7146,7 @@
                                     <a:rPr lang="en-US" b="0" i="1" smtClean="0">
                                       <a:latin typeface="Cambria Math" panose="02040503050406030204" pitchFamily="18" charset="0"/>
                                     </a:rPr>
-                                    <m:t>−</m:t>
-                                  </m:r>
-                                  <m:r>
-                                    <a:rPr lang="en-US" b="0" i="1" smtClean="0">
-                                      <a:latin typeface="Cambria Math" panose="02040503050406030204" pitchFamily="18" charset="0"/>
-                                    </a:rPr>
-                                    <m:t>1</m:t>
+                                    <m:t>−1</m:t>
                                   </m:r>
                                 </m:sub>
                               </m:sSub>
@@ -7436,13 +7334,7 @@
                           <a:rPr lang="en-US" b="0" i="1" smtClean="0">
                             <a:latin typeface="Cambria Math" panose="02040503050406030204" pitchFamily="18" charset="0"/>
                           </a:rPr>
-                          <m:t>−</m:t>
-                        </m:r>
-                        <m:r>
-                          <a:rPr lang="en-US" b="0" i="1" smtClean="0">
-                            <a:latin typeface="Cambria Math" panose="02040503050406030204" pitchFamily="18" charset="0"/>
-                          </a:rPr>
-                          <m:t>1</m:t>
+                          <m:t>−1</m:t>
                         </m:r>
                       </m:sup>
                       <m:e>
@@ -7617,13 +7509,7 @@
                               <a:rPr lang="en-US" i="1">
                                 <a:latin typeface="Cambria Math" panose="02040503050406030204" pitchFamily="18" charset="0"/>
                               </a:rPr>
-                              <m:t>−</m:t>
-                            </m:r>
-                            <m:r>
-                              <a:rPr lang="en-US" i="1">
-                                <a:latin typeface="Cambria Math" panose="02040503050406030204" pitchFamily="18" charset="0"/>
-                              </a:rPr>
-                              <m:t>1</m:t>
+                              <m:t>−1</m:t>
                             </m:r>
                           </m:sup>
                           <m:e>
@@ -7965,13 +7851,7 @@
                             <a:rPr lang="en-US" b="0" i="1" smtClean="0">
                               <a:latin typeface="Cambria Math" panose="02040503050406030204" pitchFamily="18" charset="0"/>
                             </a:rPr>
-                            <m:t>−</m:t>
-                          </m:r>
-                          <m:r>
-                            <a:rPr lang="en-US" b="0" i="1" smtClean="0">
-                              <a:latin typeface="Cambria Math" panose="02040503050406030204" pitchFamily="18" charset="0"/>
-                            </a:rPr>
-                            <m:t>1</m:t>
+                            <m:t>−1</m:t>
                           </m:r>
                         </m:sup>
                         <m:e>
@@ -8194,13 +8074,7 @@
                             <a:rPr lang="en-US" i="1">
                               <a:latin typeface="Cambria Math" panose="02040503050406030204" pitchFamily="18" charset="0"/>
                             </a:rPr>
-                            <m:t>−</m:t>
-                          </m:r>
-                          <m:r>
-                            <a:rPr lang="en-US" i="1">
-                              <a:latin typeface="Cambria Math" panose="02040503050406030204" pitchFamily="18" charset="0"/>
-                            </a:rPr>
-                            <m:t>1</m:t>
+                            <m:t>−1</m:t>
                           </m:r>
                         </m:sup>
                         <m:e>
@@ -8250,13 +8124,7 @@
                                 <a:rPr lang="en-US" i="1">
                                   <a:latin typeface="Cambria Math" panose="02040503050406030204" pitchFamily="18" charset="0"/>
                                 </a:rPr>
-                                <m:t>−</m:t>
-                              </m:r>
-                              <m:r>
-                                <a:rPr lang="en-US" i="1">
-                                  <a:latin typeface="Cambria Math" panose="02040503050406030204" pitchFamily="18" charset="0"/>
-                                </a:rPr>
-                                <m:t>1</m:t>
+                                <m:t>−1</m:t>
                               </m:r>
                             </m:sup>
                             <m:e>
@@ -8611,13 +8479,7 @@
                                     <a:rPr lang="en-US" i="1">
                                       <a:latin typeface="Cambria Math" panose="02040503050406030204" pitchFamily="18" charset="0"/>
                                     </a:rPr>
-                                    <m:t>−</m:t>
-                                  </m:r>
-                                  <m:r>
-                                    <a:rPr lang="en-US" i="1">
-                                      <a:latin typeface="Cambria Math" panose="02040503050406030204" pitchFamily="18" charset="0"/>
-                                    </a:rPr>
-                                    <m:t>1</m:t>
+                                    <m:t>−1</m:t>
                                   </m:r>
                                 </m:sup>
                                 <m:e>
@@ -8667,13 +8529,7 @@
                                         <a:rPr lang="en-US" i="1">
                                           <a:latin typeface="Cambria Math" panose="02040503050406030204" pitchFamily="18" charset="0"/>
                                         </a:rPr>
-                                        <m:t>−</m:t>
-                                      </m:r>
-                                      <m:r>
-                                        <a:rPr lang="en-US" i="1">
-                                          <a:latin typeface="Cambria Math" panose="02040503050406030204" pitchFamily="18" charset="0"/>
-                                        </a:rPr>
-                                        <m:t>1</m:t>
+                                        <m:t>−1</m:t>
                                       </m:r>
                                     </m:sup>
                                     <m:e>
@@ -8867,13 +8723,7 @@
                                 <a:rPr lang="en-US" i="1">
                                   <a:latin typeface="Cambria Math" panose="02040503050406030204" pitchFamily="18" charset="0"/>
                                 </a:rPr>
-                                <m:t>−</m:t>
-                              </m:r>
-                              <m:r>
-                                <a:rPr lang="en-US" i="1">
-                                  <a:latin typeface="Cambria Math" panose="02040503050406030204" pitchFamily="18" charset="0"/>
-                                </a:rPr>
-                                <m:t>1</m:t>
+                                <m:t>−1</m:t>
                               </m:r>
                             </m:sup>
                             <m:e>
@@ -8897,9 +8747,6 @@
                                     <m:t>𝑘</m:t>
                                   </m:r>
                                   <m:r>
-                                    <m:rPr>
-                                      <m:brk m:alnAt="23"/>
-                                    </m:rPr>
                                     <a:rPr lang="en-US" b="0" i="1" smtClean="0">
                                       <a:latin typeface="Cambria Math" panose="02040503050406030204" pitchFamily="18" charset="0"/>
                                     </a:rPr>
@@ -8932,13 +8779,7 @@
                                     <a:rPr lang="en-US" i="1">
                                       <a:latin typeface="Cambria Math" panose="02040503050406030204" pitchFamily="18" charset="0"/>
                                     </a:rPr>
-                                    <m:t>−</m:t>
-                                  </m:r>
-                                  <m:r>
-                                    <a:rPr lang="en-US" i="1">
-                                      <a:latin typeface="Cambria Math" panose="02040503050406030204" pitchFamily="18" charset="0"/>
-                                    </a:rPr>
-                                    <m:t>1</m:t>
+                                    <m:t>−1</m:t>
                                   </m:r>
                                 </m:sup>
                                 <m:e>
@@ -9196,13 +9037,7 @@
                             <a:rPr lang="en-US" i="1">
                               <a:latin typeface="Cambria Math" panose="02040503050406030204" pitchFamily="18" charset="0"/>
                             </a:rPr>
-                            <m:t>−</m:t>
-                          </m:r>
-                          <m:r>
-                            <a:rPr lang="en-US" i="1">
-                              <a:latin typeface="Cambria Math" panose="02040503050406030204" pitchFamily="18" charset="0"/>
-                            </a:rPr>
-                            <m:t>1</m:t>
+                            <m:t>−1</m:t>
                           </m:r>
                         </m:sup>
                         <m:e>
@@ -9468,13 +9303,7 @@
                                 <a:rPr lang="en-US" i="1">
                                   <a:latin typeface="Cambria Math" panose="02040503050406030204" pitchFamily="18" charset="0"/>
                                 </a:rPr>
-                                <m:t>−</m:t>
-                              </m:r>
-                              <m:r>
-                                <a:rPr lang="en-US" i="1">
-                                  <a:latin typeface="Cambria Math" panose="02040503050406030204" pitchFamily="18" charset="0"/>
-                                </a:rPr>
-                                <m:t>1</m:t>
+                                <m:t>−1</m:t>
                               </m:r>
                             </m:sup>
                             <m:e>
@@ -9709,31 +9538,7 @@
                       <a:rPr lang="en-US" b="0" i="1" smtClean="0">
                         <a:latin typeface="Cambria Math" panose="02040503050406030204" pitchFamily="18" charset="0"/>
                       </a:rPr>
-                      <m:t>|</m:t>
-                    </m:r>
-                    <m:r>
-                      <a:rPr lang="en-US" b="0" i="1" smtClean="0">
-                        <a:latin typeface="Cambria Math" panose="02040503050406030204" pitchFamily="18" charset="0"/>
-                      </a:rPr>
-                      <m:t>00</m:t>
-                    </m:r>
-                    <m:r>
-                      <a:rPr lang="en-US" b="0" i="1" smtClean="0">
-                        <a:latin typeface="Cambria Math" panose="02040503050406030204" pitchFamily="18" charset="0"/>
-                      </a:rPr>
-                      <m:t>…</m:t>
-                    </m:r>
-                    <m:r>
-                      <a:rPr lang="en-US" b="0" i="1" smtClean="0">
-                        <a:latin typeface="Cambria Math" panose="02040503050406030204" pitchFamily="18" charset="0"/>
-                      </a:rPr>
-                      <m:t>0</m:t>
-                    </m:r>
-                    <m:r>
-                      <a:rPr lang="en-US" b="0" i="1" smtClean="0">
-                        <a:latin typeface="Cambria Math" panose="02040503050406030204" pitchFamily="18" charset="0"/>
-                      </a:rPr>
-                      <m:t>⟩</m:t>
+                      <m:t>|00…0⟩</m:t>
                     </m:r>
                   </m:oMath>
                 </a14:m>
@@ -9770,19 +9575,7 @@
                             <a:rPr lang="en-US" b="0" i="1" smtClean="0">
                               <a:latin typeface="Cambria Math" panose="02040503050406030204" pitchFamily="18" charset="0"/>
                             </a:rPr>
-                            <m:t>00</m:t>
-                          </m:r>
-                          <m:r>
-                            <a:rPr lang="en-US" b="0" i="1" smtClean="0">
-                              <a:latin typeface="Cambria Math" panose="02040503050406030204" pitchFamily="18" charset="0"/>
-                            </a:rPr>
-                            <m:t>…</m:t>
-                          </m:r>
-                          <m:r>
-                            <a:rPr lang="en-US" b="0" i="1" smtClean="0">
-                              <a:latin typeface="Cambria Math" panose="02040503050406030204" pitchFamily="18" charset="0"/>
-                            </a:rPr>
-                            <m:t>0</m:t>
+                            <m:t>00…0</m:t>
                           </m:r>
                         </m:e>
                       </m:d>
@@ -9853,13 +9646,7 @@
                             <a:rPr lang="en-US" b="0" i="1" smtClean="0">
                               <a:latin typeface="Cambria Math" panose="02040503050406030204" pitchFamily="18" charset="0"/>
                             </a:rPr>
-                            <m:t>=</m:t>
-                          </m:r>
-                          <m:r>
-                            <a:rPr lang="en-US" b="0" i="1" smtClean="0">
-                              <a:latin typeface="Cambria Math" panose="02040503050406030204" pitchFamily="18" charset="0"/>
-                            </a:rPr>
-                            <m:t>0</m:t>
+                            <m:t>=0</m:t>
                           </m:r>
                         </m:sub>
                         <m:sup>
@@ -9873,13 +9660,7 @@
                             <a:rPr lang="en-US" b="0" i="1" smtClean="0">
                               <a:latin typeface="Cambria Math" panose="02040503050406030204" pitchFamily="18" charset="0"/>
                             </a:rPr>
-                            <m:t>−</m:t>
-                          </m:r>
-                          <m:r>
-                            <a:rPr lang="en-US" b="0" i="1" smtClean="0">
-                              <a:latin typeface="Cambria Math" panose="02040503050406030204" pitchFamily="18" charset="0"/>
-                            </a:rPr>
-                            <m:t>1</m:t>
+                            <m:t>−1</m:t>
                           </m:r>
                         </m:sup>
                         <m:e>
@@ -9931,19 +9712,7 @@
                                     <a:rPr lang="en-US" b="0" i="1" smtClean="0">
                                       <a:latin typeface="Cambria Math" panose="02040503050406030204" pitchFamily="18" charset="0"/>
                                     </a:rPr>
-                                    <m:t>∗</m:t>
-                                  </m:r>
-                                  <m:r>
-                                    <a:rPr lang="en-US" b="0" i="1" smtClean="0">
-                                      <a:latin typeface="Cambria Math" panose="02040503050406030204" pitchFamily="18" charset="0"/>
-                                    </a:rPr>
-                                    <m:t>0</m:t>
-                                  </m:r>
-                                  <m:r>
-                                    <a:rPr lang="en-US" b="0" i="1" smtClean="0">
-                                      <a:latin typeface="Cambria Math" panose="02040503050406030204" pitchFamily="18" charset="0"/>
-                                    </a:rPr>
-                                    <m:t>∗</m:t>
+                                    <m:t>∗0∗</m:t>
                                   </m:r>
                                   <m:r>
                                     <a:rPr lang="en-US" b="0" i="1" smtClean="0">
@@ -10049,13 +9818,7 @@
                                 <a:rPr lang="en-US" b="0" i="1" smtClean="0">
                                   <a:latin typeface="Cambria Math" panose="02040503050406030204" pitchFamily="18" charset="0"/>
                                 </a:rPr>
-                                <m:t>=</m:t>
-                              </m:r>
-                              <m:r>
-                                <a:rPr lang="en-US" b="0" i="1" smtClean="0">
-                                  <a:latin typeface="Cambria Math" panose="02040503050406030204" pitchFamily="18" charset="0"/>
-                                </a:rPr>
-                                <m:t>0</m:t>
+                                <m:t>=0</m:t>
                               </m:r>
                             </m:sub>
                             <m:sup>
@@ -10069,13 +9832,7 @@
                                 <a:rPr lang="en-US" b="0" i="1" smtClean="0">
                                   <a:latin typeface="Cambria Math" panose="02040503050406030204" pitchFamily="18" charset="0"/>
                                 </a:rPr>
-                                <m:t>−</m:t>
-                              </m:r>
-                              <m:r>
-                                <a:rPr lang="en-US" b="0" i="1" smtClean="0">
-                                  <a:latin typeface="Cambria Math" panose="02040503050406030204" pitchFamily="18" charset="0"/>
-                                </a:rPr>
-                                <m:t>1</m:t>
+                                <m:t>−1</m:t>
                               </m:r>
                             </m:sup>
                             <m:e>
@@ -10187,13 +9944,7 @@
                             <a:rPr lang="en-US" b="0" i="1" smtClean="0">
                               <a:latin typeface="Cambria Math" panose="02040503050406030204" pitchFamily="18" charset="0"/>
                             </a:rPr>
-                            <m:t>=</m:t>
-                          </m:r>
-                          <m:r>
-                            <a:rPr lang="en-US" b="0" i="1" smtClean="0">
-                              <a:latin typeface="Cambria Math" panose="02040503050406030204" pitchFamily="18" charset="0"/>
-                            </a:rPr>
-                            <m:t>0</m:t>
+                            <m:t>=0</m:t>
                           </m:r>
                         </m:sub>
                         <m:sup>
@@ -10226,13 +9977,7 @@
                             <a:rPr lang="en-US" b="0" i="1" smtClean="0">
                               <a:latin typeface="Cambria Math" panose="02040503050406030204" pitchFamily="18" charset="0"/>
                             </a:rPr>
-                            <m:t>−</m:t>
-                          </m:r>
-                          <m:r>
-                            <a:rPr lang="en-US" b="0" i="1" smtClean="0">
-                              <a:latin typeface="Cambria Math" panose="02040503050406030204" pitchFamily="18" charset="0"/>
-                            </a:rPr>
-                            <m:t>1</m:t>
+                            <m:t>−1</m:t>
                           </m:r>
                         </m:sup>
                         <m:e>
@@ -11264,19 +11009,7 @@
                       <a:rPr lang="en-US" b="0" i="1" smtClean="0">
                         <a:latin typeface="Cambria Math" panose="02040503050406030204" pitchFamily="18" charset="0"/>
                       </a:rPr>
-                      <m:t>|</m:t>
-                    </m:r>
-                    <m:r>
-                      <a:rPr lang="en-US" b="0" i="1" smtClean="0">
-                        <a:latin typeface="Cambria Math" panose="02040503050406030204" pitchFamily="18" charset="0"/>
-                      </a:rPr>
-                      <m:t>1</m:t>
-                    </m:r>
-                    <m:r>
-                      <a:rPr lang="en-US" b="0" i="1" smtClean="0">
-                        <a:latin typeface="Cambria Math" panose="02040503050406030204" pitchFamily="18" charset="0"/>
-                      </a:rPr>
-                      <m:t>⟩</m:t>
+                      <m:t>|1⟩</m:t>
                     </m:r>
                   </m:oMath>
                 </a14:m>
@@ -11498,13 +11231,7 @@
                             <a:rPr lang="en-US" i="1">
                               <a:latin typeface="Cambria Math" panose="02040503050406030204" pitchFamily="18" charset="0"/>
                             </a:rPr>
-                            <m:t>−</m:t>
-                          </m:r>
-                          <m:r>
-                            <a:rPr lang="en-US" i="1">
-                              <a:latin typeface="Cambria Math" panose="02040503050406030204" pitchFamily="18" charset="0"/>
-                            </a:rPr>
-                            <m:t>1</m:t>
+                            <m:t>−1</m:t>
                           </m:r>
                         </m:sup>
                         <m:e>
@@ -12027,19 +11754,7 @@
                         <a:rPr lang="en-US" b="0" i="1" smtClean="0">
                           <a:latin typeface="Cambria Math" panose="02040503050406030204" pitchFamily="18" charset="0"/>
                         </a:rPr>
-                        <m:t>|</m:t>
-                      </m:r>
-                      <m:r>
-                        <a:rPr lang="en-US" b="0" i="1" smtClean="0">
-                          <a:latin typeface="Cambria Math" panose="02040503050406030204" pitchFamily="18" charset="0"/>
-                        </a:rPr>
-                        <m:t>0</m:t>
-                      </m:r>
-                      <m:r>
-                        <a:rPr lang="en-US" b="0" i="1" smtClean="0">
-                          <a:latin typeface="Cambria Math" panose="02040503050406030204" pitchFamily="18" charset="0"/>
-                        </a:rPr>
-                        <m:t>⟩</m:t>
+                        <m:t>|0⟩</m:t>
                       </m:r>
                     </m:oMath>
                   </m:oMathPara>
@@ -12226,19 +11941,7 @@
                         <a:rPr lang="en-US" b="0" i="1" smtClean="0">
                           <a:latin typeface="Cambria Math" panose="02040503050406030204" pitchFamily="18" charset="0"/>
                         </a:rPr>
-                        <m:t>|</m:t>
-                      </m:r>
-                      <m:r>
-                        <a:rPr lang="en-US" b="0" i="1" smtClean="0">
-                          <a:latin typeface="Cambria Math" panose="02040503050406030204" pitchFamily="18" charset="0"/>
-                        </a:rPr>
-                        <m:t>1</m:t>
-                      </m:r>
-                      <m:r>
-                        <a:rPr lang="en-US" b="0" i="1" smtClean="0">
-                          <a:latin typeface="Cambria Math" panose="02040503050406030204" pitchFamily="18" charset="0"/>
-                        </a:rPr>
-                        <m:t>⟩</m:t>
+                        <m:t>|1⟩</m:t>
                       </m:r>
                     </m:oMath>
                   </m:oMathPara>
